--- a/docs/RegressionForecasting.pptx
+++ b/docs/RegressionForecasting.pptx
@@ -26207,8 +26207,8 @@
         </p:nvSpPr>
         <p:spPr>
           <a:xfrm>
-            <a:off x="228612" y="2066153"/>
-            <a:ext cx="10360200" cy="4191300"/>
+            <a:off x="228600" y="2066150"/>
+            <a:ext cx="11754000" cy="4191300"/>
           </a:xfrm>
           <a:prstGeom prst="rect">
             <a:avLst/>
@@ -26279,7 +26279,7 @@
                 <a:cs typeface="Roboto Mono"/>
                 <a:sym typeface="Roboto Mono"/>
               </a:rPr>
-              <a:t>hourly_counts = data.groupby(['dayofweek','hour']).size().reset_index(name='count')</a:t>
+              <a:t>hourly_counts = data.groupby(['dayofweek','hour', 'is_weekend']).size().reset_index(name='count')</a:t>
             </a:r>
             <a:endParaRPr sz="1575">
               <a:solidFill>
